--- a/docs/GeneratingSyntheticEventset.pptx
+++ b/docs/GeneratingSyntheticEventset.pptx
@@ -260,7 +260,7 @@
           <a:p>
             <a:fld id="{0A1C8969-B078-7045-AFE1-40EE5A0ABEDF}" type="datetimeFigureOut">
               <a:rPr lang="en-US" smtClean="0"/>
-              <a:t>8/27/23</a:t>
+              <a:t>8/28/23</a:t>
             </a:fld>
             <a:endParaRPr lang="en-US"/>
           </a:p>
@@ -458,7 +458,7 @@
           <a:p>
             <a:fld id="{0A1C8969-B078-7045-AFE1-40EE5A0ABEDF}" type="datetimeFigureOut">
               <a:rPr lang="en-US" smtClean="0"/>
-              <a:t>8/27/23</a:t>
+              <a:t>8/28/23</a:t>
             </a:fld>
             <a:endParaRPr lang="en-US"/>
           </a:p>
@@ -666,7 +666,7 @@
           <a:p>
             <a:fld id="{0A1C8969-B078-7045-AFE1-40EE5A0ABEDF}" type="datetimeFigureOut">
               <a:rPr lang="en-US" smtClean="0"/>
-              <a:t>8/27/23</a:t>
+              <a:t>8/28/23</a:t>
             </a:fld>
             <a:endParaRPr lang="en-US"/>
           </a:p>
@@ -864,7 +864,7 @@
           <a:p>
             <a:fld id="{0A1C8969-B078-7045-AFE1-40EE5A0ABEDF}" type="datetimeFigureOut">
               <a:rPr lang="en-US" smtClean="0"/>
-              <a:t>8/27/23</a:t>
+              <a:t>8/28/23</a:t>
             </a:fld>
             <a:endParaRPr lang="en-US"/>
           </a:p>
@@ -1139,7 +1139,7 @@
           <a:p>
             <a:fld id="{0A1C8969-B078-7045-AFE1-40EE5A0ABEDF}" type="datetimeFigureOut">
               <a:rPr lang="en-US" smtClean="0"/>
-              <a:t>8/27/23</a:t>
+              <a:t>8/28/23</a:t>
             </a:fld>
             <a:endParaRPr lang="en-US"/>
           </a:p>
@@ -1404,7 +1404,7 @@
           <a:p>
             <a:fld id="{0A1C8969-B078-7045-AFE1-40EE5A0ABEDF}" type="datetimeFigureOut">
               <a:rPr lang="en-US" smtClean="0"/>
-              <a:t>8/27/23</a:t>
+              <a:t>8/28/23</a:t>
             </a:fld>
             <a:endParaRPr lang="en-US"/>
           </a:p>
@@ -1816,7 +1816,7 @@
           <a:p>
             <a:fld id="{0A1C8969-B078-7045-AFE1-40EE5A0ABEDF}" type="datetimeFigureOut">
               <a:rPr lang="en-US" smtClean="0"/>
-              <a:t>8/27/23</a:t>
+              <a:t>8/28/23</a:t>
             </a:fld>
             <a:endParaRPr lang="en-US"/>
           </a:p>
@@ -1957,7 +1957,7 @@
           <a:p>
             <a:fld id="{0A1C8969-B078-7045-AFE1-40EE5A0ABEDF}" type="datetimeFigureOut">
               <a:rPr lang="en-US" smtClean="0"/>
-              <a:t>8/27/23</a:t>
+              <a:t>8/28/23</a:t>
             </a:fld>
             <a:endParaRPr lang="en-US"/>
           </a:p>
@@ -2070,7 +2070,7 @@
           <a:p>
             <a:fld id="{0A1C8969-B078-7045-AFE1-40EE5A0ABEDF}" type="datetimeFigureOut">
               <a:rPr lang="en-US" smtClean="0"/>
-              <a:t>8/27/23</a:t>
+              <a:t>8/28/23</a:t>
             </a:fld>
             <a:endParaRPr lang="en-US"/>
           </a:p>
@@ -2381,7 +2381,7 @@
           <a:p>
             <a:fld id="{0A1C8969-B078-7045-AFE1-40EE5A0ABEDF}" type="datetimeFigureOut">
               <a:rPr lang="en-US" smtClean="0"/>
-              <a:t>8/27/23</a:t>
+              <a:t>8/28/23</a:t>
             </a:fld>
             <a:endParaRPr lang="en-US"/>
           </a:p>
@@ -2669,7 +2669,7 @@
           <a:p>
             <a:fld id="{0A1C8969-B078-7045-AFE1-40EE5A0ABEDF}" type="datetimeFigureOut">
               <a:rPr lang="en-US" smtClean="0"/>
-              <a:t>8/27/23</a:t>
+              <a:t>8/28/23</a:t>
             </a:fld>
             <a:endParaRPr lang="en-US"/>
           </a:p>
@@ -2910,7 +2910,7 @@
           <a:p>
             <a:fld id="{0A1C8969-B078-7045-AFE1-40EE5A0ABEDF}" type="datetimeFigureOut">
               <a:rPr lang="en-US" smtClean="0"/>
-              <a:t>8/27/23</a:t>
+              <a:t>8/28/23</a:t>
             </a:fld>
             <a:endParaRPr lang="en-US"/>
           </a:p>
@@ -11115,7 +11115,7 @@
         </p:nvGrpSpPr>
         <p:grpSpPr>
           <a:xfrm>
-            <a:off x="2603950" y="508000"/>
+            <a:off x="3842350" y="1559836"/>
             <a:ext cx="817917" cy="383879"/>
             <a:chOff x="2937982" y="735846"/>
             <a:chExt cx="503191" cy="316660"/>
@@ -11173,8 +11173,8 @@
             </a:p>
           </p:txBody>
         </p:sp>
-        <mc:AlternateContent xmlns:mc="http://schemas.openxmlformats.org/markup-compatibility/2006">
-          <mc:Choice xmlns:a14="http://schemas.microsoft.com/office/drawing/2010/main" Requires="a14">
+        <mc:AlternateContent xmlns:mc="http://schemas.openxmlformats.org/markup-compatibility/2006" xmlns:a14="http://schemas.microsoft.com/office/drawing/2010/main">
+          <mc:Choice Requires="a14">
             <p:sp>
               <p:nvSpPr>
                 <p:cNvPr id="55" name="TextBox 54">
@@ -11190,7 +11190,7 @@
               <p:spPr>
                 <a:xfrm>
                   <a:off x="2995860" y="740916"/>
-                  <a:ext cx="292175" cy="209196"/>
+                  <a:ext cx="355440" cy="306089"/>
                 </a:xfrm>
                 <a:prstGeom prst="rect">
                   <a:avLst/>
@@ -11340,7 +11340,7 @@
               </p:txBody>
             </p:sp>
           </mc:Choice>
-          <mc:Fallback>
+          <mc:Fallback xmlns="">
             <p:sp>
               <p:nvSpPr>
                 <p:cNvPr id="55" name="TextBox 54">
@@ -11358,7 +11358,7 @@
               <p:spPr>
                 <a:xfrm>
                   <a:off x="2995860" y="740916"/>
-                  <a:ext cx="292175" cy="209196"/>
+                  <a:ext cx="355440" cy="306089"/>
                 </a:xfrm>
                 <a:prstGeom prst="rect">
                   <a:avLst/>
@@ -11366,7 +11366,7 @@
                 <a:blipFill>
                   <a:blip r:embed="rId2"/>
                   <a:stretch>
-                    <a:fillRect l="-39474" t="-166667" r="-34211" b="-276190"/>
+                    <a:fillRect l="-32609" t="-116667" r="-10870" b="-163333"/>
                   </a:stretch>
                 </a:blipFill>
               </p:spPr>
@@ -11386,588 +11386,162 @@
           </mc:Fallback>
         </mc:AlternateContent>
       </p:grpSp>
-      <p:grpSp>
-        <p:nvGrpSpPr>
-          <p:cNvPr id="6" name="Group 5">
+      <p:sp>
+        <p:nvSpPr>
+          <p:cNvPr id="52" name="Oval 51">
             <a:extLst>
               <a:ext uri="{FF2B5EF4-FFF2-40B4-BE49-F238E27FC236}">
-                <a16:creationId xmlns:a16="http://schemas.microsoft.com/office/drawing/2014/main" id="{FB1FC80D-4CAE-B9B7-721C-23B94EA700DC}"/>
+                <a16:creationId xmlns:a16="http://schemas.microsoft.com/office/drawing/2014/main" id="{E64950E7-86E1-8A02-CBA4-9667BEAEDF2B}"/>
               </a:ext>
             </a:extLst>
           </p:cNvPr>
-          <p:cNvGrpSpPr/>
+          <p:cNvSpPr/>
           <p:nvPr/>
-        </p:nvGrpSpPr>
-        <p:grpSpPr>
+        </p:nvSpPr>
+        <p:spPr>
           <a:xfrm>
-            <a:off x="1352752" y="1203433"/>
-            <a:ext cx="503191" cy="316660"/>
-            <a:chOff x="2937982" y="735846"/>
-            <a:chExt cx="503191" cy="316660"/>
+            <a:off x="2591152" y="2255268"/>
+            <a:ext cx="811989" cy="401693"/>
           </a:xfrm>
-        </p:grpSpPr>
-        <p:sp>
-          <p:nvSpPr>
-            <p:cNvPr id="52" name="Oval 51">
-              <a:extLst>
-                <a:ext uri="{FF2B5EF4-FFF2-40B4-BE49-F238E27FC236}">
-                  <a16:creationId xmlns:a16="http://schemas.microsoft.com/office/drawing/2014/main" id="{E64950E7-86E1-8A02-CBA4-9667BEAEDF2B}"/>
-                </a:ext>
-              </a:extLst>
-            </p:cNvPr>
-            <p:cNvSpPr/>
-            <p:nvPr/>
-          </p:nvSpPr>
-          <p:spPr>
-            <a:xfrm>
-              <a:off x="2937982" y="735846"/>
-              <a:ext cx="503191" cy="316660"/>
-            </a:xfrm>
-            <a:prstGeom prst="ellipse">
-              <a:avLst/>
-            </a:prstGeom>
-            <a:solidFill>
-              <a:schemeClr val="accent1">
-                <a:lumMod val="20000"/>
-                <a:lumOff val="80000"/>
-              </a:schemeClr>
-            </a:solidFill>
-          </p:spPr>
-          <p:style>
-            <a:lnRef idx="2">
-              <a:schemeClr val="accent1">
-                <a:shade val="50000"/>
-              </a:schemeClr>
-            </a:lnRef>
-            <a:fillRef idx="1">
-              <a:schemeClr val="accent1"/>
-            </a:fillRef>
-            <a:effectRef idx="0">
-              <a:schemeClr val="accent1"/>
-            </a:effectRef>
-            <a:fontRef idx="minor">
-              <a:schemeClr val="lt1"/>
-            </a:fontRef>
-          </p:style>
-          <p:txBody>
-            <a:bodyPr rtlCol="0" anchor="ctr"/>
-            <a:lstStyle/>
-            <a:p>
-              <a:pPr algn="ctr"/>
-              <a:endParaRPr lang="en-US"/>
-            </a:p>
-          </p:txBody>
-        </p:sp>
-        <mc:AlternateContent xmlns:mc="http://schemas.openxmlformats.org/markup-compatibility/2006" xmlns:a14="http://schemas.microsoft.com/office/drawing/2010/main">
-          <mc:Choice Requires="a14">
-            <p:sp>
-              <p:nvSpPr>
-                <p:cNvPr id="53" name="TextBox 52">
-                  <a:extLst>
-                    <a:ext uri="{FF2B5EF4-FFF2-40B4-BE49-F238E27FC236}">
-                      <a16:creationId xmlns:a16="http://schemas.microsoft.com/office/drawing/2014/main" id="{C9087050-1404-258A-8C87-850ED4B9D9D1}"/>
-                    </a:ext>
-                  </a:extLst>
-                </p:cNvPr>
-                <p:cNvSpPr txBox="1"/>
-                <p:nvPr/>
-              </p:nvSpPr>
-              <p:spPr>
-                <a:xfrm>
-                  <a:off x="3043489" y="771065"/>
-                  <a:ext cx="292175" cy="246221"/>
-                </a:xfrm>
-                <a:prstGeom prst="rect">
-                  <a:avLst/>
-                </a:prstGeom>
-                <a:noFill/>
-              </p:spPr>
-              <p:txBody>
-                <a:bodyPr wrap="square" rtlCol="0">
-                  <a:spAutoFit/>
-                </a:bodyPr>
-                <a:lstStyle/>
-                <a:p>
-                  <a:pPr/>
-                  <a14:m>
-                    <m:oMathPara xmlns:m="http://schemas.openxmlformats.org/officeDocument/2006/math">
-                      <m:oMathParaPr>
-                        <m:jc m:val="centerGroup"/>
-                      </m:oMathParaPr>
-                      <m:oMath xmlns:m="http://schemas.openxmlformats.org/officeDocument/2006/math">
-                        <m:sSub>
-                          <m:sSubPr>
-                            <m:ctrlPr>
-                              <a:rPr lang="el-GR" sz="1000" i="1" dirty="0" smtClean="0">
-                                <a:latin typeface="Cambria Math" panose="02040503050406030204" pitchFamily="18" charset="0"/>
-                                <a:ea typeface="Cambria Math" panose="02040503050406030204" pitchFamily="18" charset="0"/>
-                              </a:rPr>
-                            </m:ctrlPr>
-                          </m:sSubPr>
-                          <m:e>
-                            <m:r>
-                              <m:rPr>
-                                <m:sty m:val="p"/>
-                              </m:rPr>
-                              <a:rPr lang="el-GR" sz="1000" i="1" dirty="0">
-                                <a:latin typeface="Cambria Math" panose="02040503050406030204" pitchFamily="18" charset="0"/>
-                                <a:ea typeface="Cambria Math" panose="02040503050406030204" pitchFamily="18" charset="0"/>
-                              </a:rPr>
-                              <m:t>Ε</m:t>
-                            </m:r>
-                          </m:e>
-                          <m:sub>
-                            <m:r>
-                              <a:rPr lang="en-US" sz="1000" b="0" i="1" dirty="0" smtClean="0">
-                                <a:latin typeface="Cambria Math" panose="02040503050406030204" pitchFamily="18" charset="0"/>
-                                <a:ea typeface="Cambria Math" panose="02040503050406030204" pitchFamily="18" charset="0"/>
-                              </a:rPr>
-                              <m:t>2</m:t>
-                            </m:r>
-                          </m:sub>
-                        </m:sSub>
-                      </m:oMath>
-                    </m:oMathPara>
-                  </a14:m>
-                  <a:endParaRPr lang="en-US" sz="1000" dirty="0"/>
-                </a:p>
-              </p:txBody>
-            </p:sp>
-          </mc:Choice>
-          <mc:Fallback xmlns="">
-            <p:sp>
-              <p:nvSpPr>
-                <p:cNvPr id="197" name="TextBox 196">
-                  <a:extLst>
-                    <a:ext uri="{FF2B5EF4-FFF2-40B4-BE49-F238E27FC236}">
-                      <a16:creationId xmlns:a16="http://schemas.microsoft.com/office/drawing/2014/main" id="{1B4C0FC5-D3F5-EE13-1DB2-B9AC0D051BA7}"/>
-                    </a:ext>
-                  </a:extLst>
-                </p:cNvPr>
-                <p:cNvSpPr txBox="1">
-                  <a:spLocks noRot="1" noChangeAspect="1" noMove="1" noResize="1" noEditPoints="1" noAdjustHandles="1" noChangeArrowheads="1" noChangeShapeType="1" noTextEdit="1"/>
-                </p:cNvSpPr>
-                <p:nvPr/>
-              </p:nvSpPr>
-              <p:spPr>
-                <a:xfrm>
-                  <a:off x="3043489" y="771065"/>
-                  <a:ext cx="292175" cy="246221"/>
-                </a:xfrm>
-                <a:prstGeom prst="rect">
-                  <a:avLst/>
-                </a:prstGeom>
-                <a:blipFill>
-                  <a:blip r:embed="rId16"/>
-                  <a:stretch>
-                    <a:fillRect/>
-                  </a:stretch>
-                </a:blipFill>
-              </p:spPr>
-              <p:txBody>
-                <a:bodyPr/>
-                <a:lstStyle/>
-                <a:p>
-                  <a:r>
-                    <a:rPr lang="en-US">
-                      <a:noFill/>
-                    </a:rPr>
-                    <a:t> </a:t>
-                  </a:r>
-                </a:p>
-              </p:txBody>
-            </p:sp>
-          </mc:Fallback>
-        </mc:AlternateContent>
-      </p:grpSp>
-      <p:grpSp>
-        <p:nvGrpSpPr>
-          <p:cNvPr id="7" name="Group 6">
+          <a:prstGeom prst="ellipse">
+            <a:avLst/>
+          </a:prstGeom>
+          <a:solidFill>
+            <a:schemeClr val="accent1">
+              <a:lumMod val="20000"/>
+              <a:lumOff val="80000"/>
+            </a:schemeClr>
+          </a:solidFill>
+        </p:spPr>
+        <p:style>
+          <a:lnRef idx="2">
+            <a:schemeClr val="accent1">
+              <a:shade val="50000"/>
+            </a:schemeClr>
+          </a:lnRef>
+          <a:fillRef idx="1">
+            <a:schemeClr val="accent1"/>
+          </a:fillRef>
+          <a:effectRef idx="0">
+            <a:schemeClr val="accent1"/>
+          </a:effectRef>
+          <a:fontRef idx="minor">
+            <a:schemeClr val="lt1"/>
+          </a:fontRef>
+        </p:style>
+        <p:txBody>
+          <a:bodyPr rtlCol="0" anchor="ctr"/>
+          <a:lstStyle/>
+          <a:p>
+            <a:pPr algn="ctr"/>
+            <a:endParaRPr lang="en-US"/>
+          </a:p>
+        </p:txBody>
+      </p:sp>
+      <p:sp>
+        <p:nvSpPr>
+          <p:cNvPr id="50" name="Oval 49">
             <a:extLst>
               <a:ext uri="{FF2B5EF4-FFF2-40B4-BE49-F238E27FC236}">
-                <a16:creationId xmlns:a16="http://schemas.microsoft.com/office/drawing/2014/main" id="{1016563D-D4DE-F0DF-A672-1AA876D9FCC6}"/>
+                <a16:creationId xmlns:a16="http://schemas.microsoft.com/office/drawing/2014/main" id="{436C56AE-F8B4-170C-521D-02E28DBE49E3}"/>
               </a:ext>
             </a:extLst>
           </p:cNvPr>
-          <p:cNvGrpSpPr/>
+          <p:cNvSpPr/>
           <p:nvPr/>
-        </p:nvGrpSpPr>
-        <p:grpSpPr>
+        </p:nvSpPr>
+        <p:spPr>
           <a:xfrm>
-            <a:off x="2594038" y="1221246"/>
-            <a:ext cx="503191" cy="316660"/>
-            <a:chOff x="2937982" y="735846"/>
-            <a:chExt cx="503191" cy="316660"/>
+            <a:off x="3870233" y="2273082"/>
+            <a:ext cx="791303" cy="383879"/>
           </a:xfrm>
-        </p:grpSpPr>
-        <p:sp>
-          <p:nvSpPr>
-            <p:cNvPr id="50" name="Oval 49">
-              <a:extLst>
-                <a:ext uri="{FF2B5EF4-FFF2-40B4-BE49-F238E27FC236}">
-                  <a16:creationId xmlns:a16="http://schemas.microsoft.com/office/drawing/2014/main" id="{436C56AE-F8B4-170C-521D-02E28DBE49E3}"/>
-                </a:ext>
-              </a:extLst>
-            </p:cNvPr>
-            <p:cNvSpPr/>
-            <p:nvPr/>
-          </p:nvSpPr>
-          <p:spPr>
-            <a:xfrm>
-              <a:off x="2937982" y="735846"/>
-              <a:ext cx="503191" cy="316660"/>
-            </a:xfrm>
-            <a:prstGeom prst="ellipse">
-              <a:avLst/>
-            </a:prstGeom>
-            <a:solidFill>
-              <a:schemeClr val="accent1">
-                <a:lumMod val="20000"/>
-                <a:lumOff val="80000"/>
-              </a:schemeClr>
-            </a:solidFill>
-          </p:spPr>
-          <p:style>
-            <a:lnRef idx="2">
-              <a:schemeClr val="accent1">
-                <a:shade val="50000"/>
-              </a:schemeClr>
-            </a:lnRef>
-            <a:fillRef idx="1">
-              <a:schemeClr val="accent1"/>
-            </a:fillRef>
-            <a:effectRef idx="0">
-              <a:schemeClr val="accent1"/>
-            </a:effectRef>
-            <a:fontRef idx="minor">
-              <a:schemeClr val="lt1"/>
-            </a:fontRef>
-          </p:style>
-          <p:txBody>
-            <a:bodyPr rtlCol="0" anchor="ctr"/>
-            <a:lstStyle/>
-            <a:p>
-              <a:pPr algn="ctr"/>
-              <a:endParaRPr lang="en-US"/>
-            </a:p>
-          </p:txBody>
-        </p:sp>
-        <mc:AlternateContent xmlns:mc="http://schemas.openxmlformats.org/markup-compatibility/2006" xmlns:a14="http://schemas.microsoft.com/office/drawing/2010/main">
-          <mc:Choice Requires="a14">
-            <p:sp>
-              <p:nvSpPr>
-                <p:cNvPr id="51" name="TextBox 50">
-                  <a:extLst>
-                    <a:ext uri="{FF2B5EF4-FFF2-40B4-BE49-F238E27FC236}">
-                      <a16:creationId xmlns:a16="http://schemas.microsoft.com/office/drawing/2014/main" id="{541D0A24-3592-DED1-E42C-1E4219FE5125}"/>
-                    </a:ext>
-                  </a:extLst>
-                </p:cNvPr>
-                <p:cNvSpPr txBox="1"/>
-                <p:nvPr/>
-              </p:nvSpPr>
-              <p:spPr>
-                <a:xfrm>
-                  <a:off x="3043489" y="771065"/>
-                  <a:ext cx="292175" cy="246221"/>
-                </a:xfrm>
-                <a:prstGeom prst="rect">
-                  <a:avLst/>
-                </a:prstGeom>
-                <a:noFill/>
-              </p:spPr>
-              <p:txBody>
-                <a:bodyPr wrap="square" rtlCol="0">
-                  <a:spAutoFit/>
-                </a:bodyPr>
-                <a:lstStyle/>
-                <a:p>
-                  <a:pPr/>
-                  <a14:m>
-                    <m:oMathPara xmlns:m="http://schemas.openxmlformats.org/officeDocument/2006/math">
-                      <m:oMathParaPr>
-                        <m:jc m:val="centerGroup"/>
-                      </m:oMathParaPr>
-                      <m:oMath xmlns:m="http://schemas.openxmlformats.org/officeDocument/2006/math">
-                        <m:sSub>
-                          <m:sSubPr>
-                            <m:ctrlPr>
-                              <a:rPr lang="el-GR" sz="1000" i="1" dirty="0" smtClean="0">
-                                <a:latin typeface="Cambria Math" panose="02040503050406030204" pitchFamily="18" charset="0"/>
-                                <a:ea typeface="Cambria Math" panose="02040503050406030204" pitchFamily="18" charset="0"/>
-                              </a:rPr>
-                            </m:ctrlPr>
-                          </m:sSubPr>
-                          <m:e>
-                            <m:r>
-                              <m:rPr>
-                                <m:sty m:val="p"/>
-                              </m:rPr>
-                              <a:rPr lang="el-GR" sz="1000" i="1" dirty="0">
-                                <a:latin typeface="Cambria Math" panose="02040503050406030204" pitchFamily="18" charset="0"/>
-                                <a:ea typeface="Cambria Math" panose="02040503050406030204" pitchFamily="18" charset="0"/>
-                              </a:rPr>
-                              <m:t>Ε</m:t>
-                            </m:r>
-                          </m:e>
-                          <m:sub>
-                            <m:r>
-                              <a:rPr lang="en-US" sz="1000" b="0" i="1" dirty="0" smtClean="0">
-                                <a:latin typeface="Cambria Math" panose="02040503050406030204" pitchFamily="18" charset="0"/>
-                                <a:ea typeface="Cambria Math" panose="02040503050406030204" pitchFamily="18" charset="0"/>
-                              </a:rPr>
-                              <m:t>2</m:t>
-                            </m:r>
-                          </m:sub>
-                        </m:sSub>
-                      </m:oMath>
-                    </m:oMathPara>
-                  </a14:m>
-                  <a:endParaRPr lang="en-US" sz="1000" dirty="0"/>
-                </a:p>
-              </p:txBody>
-            </p:sp>
-          </mc:Choice>
-          <mc:Fallback xmlns="">
-            <p:sp>
-              <p:nvSpPr>
-                <p:cNvPr id="195" name="TextBox 194">
-                  <a:extLst>
-                    <a:ext uri="{FF2B5EF4-FFF2-40B4-BE49-F238E27FC236}">
-                      <a16:creationId xmlns:a16="http://schemas.microsoft.com/office/drawing/2014/main" id="{01CE05FF-117C-2DB5-78AE-F254249AF368}"/>
-                    </a:ext>
-                  </a:extLst>
-                </p:cNvPr>
-                <p:cNvSpPr txBox="1">
-                  <a:spLocks noRot="1" noChangeAspect="1" noMove="1" noResize="1" noEditPoints="1" noAdjustHandles="1" noChangeArrowheads="1" noChangeShapeType="1" noTextEdit="1"/>
-                </p:cNvSpPr>
-                <p:nvPr/>
-              </p:nvSpPr>
-              <p:spPr>
-                <a:xfrm>
-                  <a:off x="3043489" y="771065"/>
-                  <a:ext cx="292175" cy="246221"/>
-                </a:xfrm>
-                <a:prstGeom prst="rect">
-                  <a:avLst/>
-                </a:prstGeom>
-                <a:blipFill>
-                  <a:blip r:embed="rId17"/>
-                  <a:stretch>
-                    <a:fillRect/>
-                  </a:stretch>
-                </a:blipFill>
-              </p:spPr>
-              <p:txBody>
-                <a:bodyPr/>
-                <a:lstStyle/>
-                <a:p>
-                  <a:r>
-                    <a:rPr lang="en-US">
-                      <a:noFill/>
-                    </a:rPr>
-                    <a:t> </a:t>
-                  </a:r>
-                </a:p>
-              </p:txBody>
-            </p:sp>
-          </mc:Fallback>
-        </mc:AlternateContent>
-      </p:grpSp>
-      <p:grpSp>
-        <p:nvGrpSpPr>
-          <p:cNvPr id="8" name="Group 7">
+          <a:prstGeom prst="ellipse">
+            <a:avLst/>
+          </a:prstGeom>
+          <a:solidFill>
+            <a:schemeClr val="accent1">
+              <a:lumMod val="20000"/>
+              <a:lumOff val="80000"/>
+            </a:schemeClr>
+          </a:solidFill>
+        </p:spPr>
+        <p:style>
+          <a:lnRef idx="2">
+            <a:schemeClr val="accent1">
+              <a:shade val="50000"/>
+            </a:schemeClr>
+          </a:lnRef>
+          <a:fillRef idx="1">
+            <a:schemeClr val="accent1"/>
+          </a:fillRef>
+          <a:effectRef idx="0">
+            <a:schemeClr val="accent1"/>
+          </a:effectRef>
+          <a:fontRef idx="minor">
+            <a:schemeClr val="lt1"/>
+          </a:fontRef>
+        </p:style>
+        <p:txBody>
+          <a:bodyPr rtlCol="0" anchor="ctr"/>
+          <a:lstStyle/>
+          <a:p>
+            <a:pPr algn="ctr"/>
+            <a:endParaRPr lang="en-US"/>
+          </a:p>
+        </p:txBody>
+      </p:sp>
+      <p:sp>
+        <p:nvSpPr>
+          <p:cNvPr id="48" name="Oval 47">
             <a:extLst>
               <a:ext uri="{FF2B5EF4-FFF2-40B4-BE49-F238E27FC236}">
-                <a16:creationId xmlns:a16="http://schemas.microsoft.com/office/drawing/2014/main" id="{101306B7-E52B-4492-8A4C-9A8169A80122}"/>
+                <a16:creationId xmlns:a16="http://schemas.microsoft.com/office/drawing/2014/main" id="{064A9841-5C74-33AA-1264-02C456315B1F}"/>
               </a:ext>
             </a:extLst>
           </p:cNvPr>
-          <p:cNvGrpSpPr/>
+          <p:cNvSpPr/>
           <p:nvPr/>
-        </p:nvGrpSpPr>
-        <p:grpSpPr>
+        </p:nvSpPr>
+        <p:spPr>
           <a:xfrm>
-            <a:off x="3925058" y="1203432"/>
-            <a:ext cx="503191" cy="316660"/>
-            <a:chOff x="2937982" y="735846"/>
-            <a:chExt cx="503191" cy="316660"/>
+            <a:off x="5243141" y="2308112"/>
+            <a:ext cx="791303" cy="395285"/>
           </a:xfrm>
-        </p:grpSpPr>
-        <p:sp>
-          <p:nvSpPr>
-            <p:cNvPr id="48" name="Oval 47">
-              <a:extLst>
-                <a:ext uri="{FF2B5EF4-FFF2-40B4-BE49-F238E27FC236}">
-                  <a16:creationId xmlns:a16="http://schemas.microsoft.com/office/drawing/2014/main" id="{064A9841-5C74-33AA-1264-02C456315B1F}"/>
-                </a:ext>
-              </a:extLst>
-            </p:cNvPr>
-            <p:cNvSpPr/>
-            <p:nvPr/>
-          </p:nvSpPr>
-          <p:spPr>
-            <a:xfrm>
-              <a:off x="2937982" y="735846"/>
-              <a:ext cx="503191" cy="316660"/>
-            </a:xfrm>
-            <a:prstGeom prst="ellipse">
-              <a:avLst/>
-            </a:prstGeom>
-            <a:solidFill>
-              <a:schemeClr val="accent1">
-                <a:lumMod val="20000"/>
-                <a:lumOff val="80000"/>
-              </a:schemeClr>
-            </a:solidFill>
-          </p:spPr>
-          <p:style>
-            <a:lnRef idx="2">
-              <a:schemeClr val="accent1">
-                <a:shade val="50000"/>
-              </a:schemeClr>
-            </a:lnRef>
-            <a:fillRef idx="1">
-              <a:schemeClr val="accent1"/>
-            </a:fillRef>
-            <a:effectRef idx="0">
-              <a:schemeClr val="accent1"/>
-            </a:effectRef>
-            <a:fontRef idx="minor">
-              <a:schemeClr val="lt1"/>
-            </a:fontRef>
-          </p:style>
-          <p:txBody>
-            <a:bodyPr rtlCol="0" anchor="ctr"/>
-            <a:lstStyle/>
-            <a:p>
-              <a:pPr algn="ctr"/>
-              <a:endParaRPr lang="en-US"/>
-            </a:p>
-          </p:txBody>
-        </p:sp>
-        <mc:AlternateContent xmlns:mc="http://schemas.openxmlformats.org/markup-compatibility/2006" xmlns:a14="http://schemas.microsoft.com/office/drawing/2010/main">
-          <mc:Choice Requires="a14">
-            <p:sp>
-              <p:nvSpPr>
-                <p:cNvPr id="49" name="TextBox 48">
-                  <a:extLst>
-                    <a:ext uri="{FF2B5EF4-FFF2-40B4-BE49-F238E27FC236}">
-                      <a16:creationId xmlns:a16="http://schemas.microsoft.com/office/drawing/2014/main" id="{904B6207-1290-2756-7F27-975537D6AF92}"/>
-                    </a:ext>
-                  </a:extLst>
-                </p:cNvPr>
-                <p:cNvSpPr txBox="1"/>
-                <p:nvPr/>
-              </p:nvSpPr>
-              <p:spPr>
-                <a:xfrm>
-                  <a:off x="3043489" y="771065"/>
-                  <a:ext cx="292175" cy="246221"/>
-                </a:xfrm>
-                <a:prstGeom prst="rect">
-                  <a:avLst/>
-                </a:prstGeom>
-                <a:noFill/>
-              </p:spPr>
-              <p:txBody>
-                <a:bodyPr wrap="square" rtlCol="0">
-                  <a:spAutoFit/>
-                </a:bodyPr>
-                <a:lstStyle/>
-                <a:p>
-                  <a:pPr/>
-                  <a14:m>
-                    <m:oMathPara xmlns:m="http://schemas.openxmlformats.org/officeDocument/2006/math">
-                      <m:oMathParaPr>
-                        <m:jc m:val="centerGroup"/>
-                      </m:oMathParaPr>
-                      <m:oMath xmlns:m="http://schemas.openxmlformats.org/officeDocument/2006/math">
-                        <m:sSub>
-                          <m:sSubPr>
-                            <m:ctrlPr>
-                              <a:rPr lang="el-GR" sz="1000" i="1" dirty="0" smtClean="0">
-                                <a:latin typeface="Cambria Math" panose="02040503050406030204" pitchFamily="18" charset="0"/>
-                                <a:ea typeface="Cambria Math" panose="02040503050406030204" pitchFamily="18" charset="0"/>
-                              </a:rPr>
-                            </m:ctrlPr>
-                          </m:sSubPr>
-                          <m:e>
-                            <m:r>
-                              <m:rPr>
-                                <m:sty m:val="p"/>
-                              </m:rPr>
-                              <a:rPr lang="el-GR" sz="1000" i="1" dirty="0">
-                                <a:latin typeface="Cambria Math" panose="02040503050406030204" pitchFamily="18" charset="0"/>
-                                <a:ea typeface="Cambria Math" panose="02040503050406030204" pitchFamily="18" charset="0"/>
-                              </a:rPr>
-                              <m:t>Ε</m:t>
-                            </m:r>
-                          </m:e>
-                          <m:sub>
-                            <m:r>
-                              <a:rPr lang="en-US" sz="1000" b="0" i="1" dirty="0" smtClean="0">
-                                <a:latin typeface="Cambria Math" panose="02040503050406030204" pitchFamily="18" charset="0"/>
-                                <a:ea typeface="Cambria Math" panose="02040503050406030204" pitchFamily="18" charset="0"/>
-                              </a:rPr>
-                              <m:t>2</m:t>
-                            </m:r>
-                          </m:sub>
-                        </m:sSub>
-                      </m:oMath>
-                    </m:oMathPara>
-                  </a14:m>
-                  <a:endParaRPr lang="en-US" sz="1000" dirty="0"/>
-                </a:p>
-              </p:txBody>
-            </p:sp>
-          </mc:Choice>
-          <mc:Fallback xmlns="">
-            <p:sp>
-              <p:nvSpPr>
-                <p:cNvPr id="193" name="TextBox 192">
-                  <a:extLst>
-                    <a:ext uri="{FF2B5EF4-FFF2-40B4-BE49-F238E27FC236}">
-                      <a16:creationId xmlns:a16="http://schemas.microsoft.com/office/drawing/2014/main" id="{7CAAC7A3-587D-C2C5-8C77-8AC22D396668}"/>
-                    </a:ext>
-                  </a:extLst>
-                </p:cNvPr>
-                <p:cNvSpPr txBox="1">
-                  <a:spLocks noRot="1" noChangeAspect="1" noMove="1" noResize="1" noEditPoints="1" noAdjustHandles="1" noChangeArrowheads="1" noChangeShapeType="1" noTextEdit="1"/>
-                </p:cNvSpPr>
-                <p:nvPr/>
-              </p:nvSpPr>
-              <p:spPr>
-                <a:xfrm>
-                  <a:off x="3043489" y="771065"/>
-                  <a:ext cx="292175" cy="246221"/>
-                </a:xfrm>
-                <a:prstGeom prst="rect">
-                  <a:avLst/>
-                </a:prstGeom>
-                <a:blipFill>
-                  <a:blip r:embed="rId18"/>
-                  <a:stretch>
-                    <a:fillRect/>
-                  </a:stretch>
-                </a:blipFill>
-              </p:spPr>
-              <p:txBody>
-                <a:bodyPr/>
-                <a:lstStyle/>
-                <a:p>
-                  <a:r>
-                    <a:rPr lang="en-US">
-                      <a:noFill/>
-                    </a:rPr>
-                    <a:t> </a:t>
-                  </a:r>
-                </a:p>
-              </p:txBody>
-            </p:sp>
-          </mc:Fallback>
-        </mc:AlternateContent>
-      </p:grpSp>
+          <a:prstGeom prst="ellipse">
+            <a:avLst/>
+          </a:prstGeom>
+          <a:solidFill>
+            <a:schemeClr val="accent1">
+              <a:lumMod val="20000"/>
+              <a:lumOff val="80000"/>
+            </a:schemeClr>
+          </a:solidFill>
+        </p:spPr>
+        <p:style>
+          <a:lnRef idx="2">
+            <a:schemeClr val="accent1">
+              <a:shade val="50000"/>
+            </a:schemeClr>
+          </a:lnRef>
+          <a:fillRef idx="1">
+            <a:schemeClr val="accent1"/>
+          </a:fillRef>
+          <a:effectRef idx="0">
+            <a:schemeClr val="accent1"/>
+          </a:effectRef>
+          <a:fontRef idx="minor">
+            <a:schemeClr val="lt1"/>
+          </a:fontRef>
+        </p:style>
+        <p:txBody>
+          <a:bodyPr rtlCol="0" anchor="ctr"/>
+          <a:lstStyle/>
+          <a:p>
+            <a:pPr algn="ctr"/>
+            <a:endParaRPr lang="en-US"/>
+          </a:p>
+        </p:txBody>
+      </p:sp>
       <p:grpSp>
         <p:nvGrpSpPr>
           <p:cNvPr id="9" name="Group 8">
@@ -11982,8 +11556,8 @@
         </p:nvGrpSpPr>
         <p:grpSpPr>
           <a:xfrm>
-            <a:off x="849561" y="1748294"/>
-            <a:ext cx="503191" cy="316660"/>
+            <a:off x="1519398" y="3207126"/>
+            <a:ext cx="811989" cy="439385"/>
             <a:chOff x="2937982" y="735846"/>
             <a:chExt cx="503191" cy="316660"/>
           </a:xfrm>
@@ -12176,8 +11750,8 @@
         </p:nvGrpSpPr>
         <p:grpSpPr>
           <a:xfrm>
-            <a:off x="4428247" y="2231223"/>
-            <a:ext cx="503191" cy="316660"/>
+            <a:off x="6700488" y="3701815"/>
+            <a:ext cx="810818" cy="460346"/>
             <a:chOff x="2937982" y="735846"/>
             <a:chExt cx="503191" cy="316660"/>
           </a:xfrm>
@@ -12370,8 +11944,8 @@
         </p:nvGrpSpPr>
         <p:grpSpPr>
           <a:xfrm>
-            <a:off x="1603438" y="1736993"/>
-            <a:ext cx="503191" cy="316660"/>
+            <a:off x="2514811" y="3207126"/>
+            <a:ext cx="762828" cy="439385"/>
             <a:chOff x="2937982" y="735846"/>
             <a:chExt cx="503191" cy="316660"/>
           </a:xfrm>
@@ -12564,8 +12138,8 @@
         </p:nvGrpSpPr>
         <p:grpSpPr>
           <a:xfrm>
-            <a:off x="2270308" y="1759075"/>
-            <a:ext cx="503191" cy="316660"/>
+            <a:off x="3378804" y="3219362"/>
+            <a:ext cx="778681" cy="427977"/>
             <a:chOff x="2937982" y="735846"/>
             <a:chExt cx="503191" cy="316660"/>
           </a:xfrm>
@@ -12758,8 +12332,8 @@
         </p:nvGrpSpPr>
         <p:grpSpPr>
           <a:xfrm>
-            <a:off x="2626503" y="2196004"/>
-            <a:ext cx="503191" cy="316660"/>
+            <a:off x="3828028" y="3774921"/>
+            <a:ext cx="778681" cy="460345"/>
             <a:chOff x="2937982" y="735846"/>
             <a:chExt cx="503191" cy="316660"/>
           </a:xfrm>
@@ -12952,8 +12526,8 @@
         </p:nvGrpSpPr>
         <p:grpSpPr>
           <a:xfrm>
-            <a:off x="3024185" y="1747774"/>
-            <a:ext cx="503191" cy="316660"/>
+            <a:off x="4254027" y="3198641"/>
+            <a:ext cx="791303" cy="447870"/>
             <a:chOff x="2937982" y="735846"/>
             <a:chExt cx="503191" cy="316660"/>
           </a:xfrm>
@@ -13146,8 +12720,8 @@
         </p:nvGrpSpPr>
         <p:grpSpPr>
           <a:xfrm>
-            <a:off x="3674372" y="1735156"/>
-            <a:ext cx="503191" cy="316660"/>
+            <a:off x="5111333" y="3211488"/>
+            <a:ext cx="846138" cy="435024"/>
             <a:chOff x="2937982" y="735846"/>
             <a:chExt cx="503191" cy="316660"/>
           </a:xfrm>
@@ -13340,8 +12914,8 @@
         </p:nvGrpSpPr>
         <p:grpSpPr>
           <a:xfrm>
-            <a:off x="3674372" y="2255579"/>
-            <a:ext cx="503191" cy="316660"/>
+            <a:off x="5717113" y="3735500"/>
+            <a:ext cx="810818" cy="460345"/>
             <a:chOff x="2937982" y="735846"/>
             <a:chExt cx="503191" cy="316660"/>
           </a:xfrm>
@@ -13534,8 +13108,8 @@
         </p:nvGrpSpPr>
         <p:grpSpPr>
           <a:xfrm>
-            <a:off x="4428249" y="1723855"/>
-            <a:ext cx="503191" cy="316660"/>
+            <a:off x="7189065" y="3251821"/>
+            <a:ext cx="810818" cy="417104"/>
             <a:chOff x="2937982" y="735846"/>
             <a:chExt cx="503191" cy="316660"/>
           </a:xfrm>
@@ -13730,7 +13304,7 @@
         </p:nvCxnSpPr>
         <p:spPr>
           <a:xfrm flipH="1">
-            <a:off x="1750434" y="891879"/>
+            <a:off x="2988834" y="1943715"/>
             <a:ext cx="1262475" cy="329367"/>
           </a:xfrm>
           <a:prstGeom prst="straightConnector1">
@@ -13765,15 +13339,16 @@
             </a:extLst>
           </p:cNvPr>
           <p:cNvCxnSpPr>
+            <a:cxnSpLocks/>
             <a:stCxn id="54" idx="4"/>
             <a:endCxn id="50" idx="0"/>
           </p:cNvCxnSpPr>
           <p:nvPr/>
         </p:nvCxnSpPr>
         <p:spPr>
-          <a:xfrm flipH="1">
-            <a:off x="2845634" y="891879"/>
-            <a:ext cx="167275" cy="329367"/>
+          <a:xfrm>
+            <a:off x="4251309" y="1943715"/>
+            <a:ext cx="14576" cy="329367"/>
           </a:xfrm>
           <a:prstGeom prst="straightConnector1">
             <a:avLst/>
@@ -13814,8 +13389,8 @@
         </p:nvCxnSpPr>
         <p:spPr>
           <a:xfrm>
-            <a:off x="3012909" y="891879"/>
-            <a:ext cx="1163745" cy="311553"/>
+            <a:off x="4251309" y="1943715"/>
+            <a:ext cx="1387484" cy="364397"/>
           </a:xfrm>
           <a:prstGeom prst="straightConnector1">
             <a:avLst/>
@@ -13856,8 +13431,8 @@
         </p:nvCxnSpPr>
         <p:spPr>
           <a:xfrm flipH="1">
-            <a:off x="1101157" y="1520093"/>
-            <a:ext cx="503191" cy="228201"/>
+            <a:off x="1925393" y="2656961"/>
+            <a:ext cx="1071754" cy="550165"/>
           </a:xfrm>
           <a:prstGeom prst="straightConnector1">
             <a:avLst/>
@@ -13897,9 +13472,9 @@
           <p:nvPr/>
         </p:nvCxnSpPr>
         <p:spPr>
-          <a:xfrm>
-            <a:off x="1604348" y="1520093"/>
-            <a:ext cx="250686" cy="216900"/>
+          <a:xfrm flipH="1">
+            <a:off x="2896225" y="2656961"/>
+            <a:ext cx="100922" cy="550165"/>
           </a:xfrm>
           <a:prstGeom prst="straightConnector1">
             <a:avLst/>
@@ -13933,6 +13508,7 @@
             </a:extLst>
           </p:cNvPr>
           <p:cNvCxnSpPr>
+            <a:cxnSpLocks/>
             <a:stCxn id="50" idx="4"/>
             <a:endCxn id="40" idx="0"/>
           </p:cNvCxnSpPr>
@@ -13940,8 +13516,8 @@
         </p:nvCxnSpPr>
         <p:spPr>
           <a:xfrm flipH="1">
-            <a:off x="2521904" y="1537906"/>
-            <a:ext cx="323730" cy="221169"/>
+            <a:off x="3768145" y="2656961"/>
+            <a:ext cx="497740" cy="562401"/>
           </a:xfrm>
           <a:prstGeom prst="straightConnector1">
             <a:avLst/>
@@ -13975,15 +13551,16 @@
             </a:extLst>
           </p:cNvPr>
           <p:cNvCxnSpPr>
+            <a:cxnSpLocks/>
             <a:stCxn id="50" idx="4"/>
             <a:endCxn id="38" idx="0"/>
           </p:cNvCxnSpPr>
           <p:nvPr/>
         </p:nvCxnSpPr>
         <p:spPr>
-          <a:xfrm>
-            <a:off x="2845634" y="1537906"/>
-            <a:ext cx="32465" cy="658098"/>
+          <a:xfrm flipH="1">
+            <a:off x="4217369" y="2656961"/>
+            <a:ext cx="48516" cy="1117960"/>
           </a:xfrm>
           <a:prstGeom prst="straightConnector1">
             <a:avLst/>
@@ -14017,6 +13594,7 @@
             </a:extLst>
           </p:cNvPr>
           <p:cNvCxnSpPr>
+            <a:cxnSpLocks/>
             <a:stCxn id="50" idx="4"/>
             <a:endCxn id="36" idx="0"/>
           </p:cNvCxnSpPr>
@@ -14024,8 +13602,8 @@
         </p:nvCxnSpPr>
         <p:spPr>
           <a:xfrm>
-            <a:off x="2845634" y="1537906"/>
-            <a:ext cx="430147" cy="209868"/>
+            <a:off x="4265885" y="2656961"/>
+            <a:ext cx="383794" cy="541680"/>
           </a:xfrm>
           <a:prstGeom prst="straightConnector1">
             <a:avLst/>
@@ -14066,8 +13644,8 @@
         </p:nvCxnSpPr>
         <p:spPr>
           <a:xfrm flipH="1">
-            <a:off x="3925968" y="1520092"/>
-            <a:ext cx="250686" cy="215064"/>
+            <a:off x="5534402" y="2703397"/>
+            <a:ext cx="104391" cy="508091"/>
           </a:xfrm>
           <a:prstGeom prst="straightConnector1">
             <a:avLst/>
@@ -14101,15 +13679,16 @@
             </a:extLst>
           </p:cNvPr>
           <p:cNvCxnSpPr>
-            <a:stCxn id="48" idx="4"/>
+            <a:cxnSpLocks/>
+            <a:stCxn id="70" idx="2"/>
             <a:endCxn id="32" idx="0"/>
           </p:cNvCxnSpPr>
           <p:nvPr/>
         </p:nvCxnSpPr>
         <p:spPr>
-          <a:xfrm flipH="1">
-            <a:off x="3925968" y="1520092"/>
-            <a:ext cx="250686" cy="735487"/>
+          <a:xfrm>
+            <a:off x="5634055" y="2672541"/>
+            <a:ext cx="488467" cy="1062959"/>
           </a:xfrm>
           <a:prstGeom prst="straightConnector1">
             <a:avLst/>
@@ -14150,8 +13729,8 @@
         </p:nvCxnSpPr>
         <p:spPr>
           <a:xfrm>
-            <a:off x="4176654" y="1520092"/>
-            <a:ext cx="503191" cy="203763"/>
+            <a:off x="5638793" y="2703397"/>
+            <a:ext cx="1955681" cy="548424"/>
           </a:xfrm>
           <a:prstGeom prst="straightConnector1">
             <a:avLst/>
@@ -14192,8 +13771,8 @@
         </p:nvCxnSpPr>
         <p:spPr>
           <a:xfrm>
-            <a:off x="4176654" y="1520092"/>
-            <a:ext cx="503189" cy="711131"/>
+            <a:off x="5638793" y="2703397"/>
+            <a:ext cx="1467104" cy="998418"/>
           </a:xfrm>
           <a:prstGeom prst="straightConnector1">
             <a:avLst/>
@@ -14217,6 +13796,642 @@
           </a:fontRef>
         </p:style>
       </p:cxnSp>
+      <mc:AlternateContent xmlns:mc="http://schemas.openxmlformats.org/markup-compatibility/2006">
+        <mc:Choice xmlns:a14="http://schemas.microsoft.com/office/drawing/2010/main" Requires="a14">
+          <p:sp>
+            <p:nvSpPr>
+              <p:cNvPr id="56" name="TextBox 55">
+                <a:extLst>
+                  <a:ext uri="{FF2B5EF4-FFF2-40B4-BE49-F238E27FC236}">
+                    <a16:creationId xmlns:a16="http://schemas.microsoft.com/office/drawing/2014/main" id="{234BAF00-D5C2-0B05-A407-A7B38F998DDE}"/>
+                  </a:ext>
+                </a:extLst>
+              </p:cNvPr>
+              <p:cNvSpPr txBox="1"/>
+              <p:nvPr/>
+            </p:nvSpPr>
+            <p:spPr>
+              <a:xfrm>
+                <a:off x="2701036" y="2245880"/>
+                <a:ext cx="577754" cy="371064"/>
+              </a:xfrm>
+              <a:prstGeom prst="rect">
+                <a:avLst/>
+              </a:prstGeom>
+              <a:noFill/>
+            </p:spPr>
+            <p:txBody>
+              <a:bodyPr wrap="square" rtlCol="0">
+                <a:spAutoFit/>
+              </a:bodyPr>
+              <a:lstStyle/>
+              <a:p>
+                <a:pPr/>
+                <a14:m>
+                  <m:oMathPara xmlns:m="http://schemas.openxmlformats.org/officeDocument/2006/math">
+                    <m:oMathParaPr>
+                      <m:jc m:val="centerGroup"/>
+                    </m:oMathParaPr>
+                    <m:oMath xmlns:m="http://schemas.openxmlformats.org/officeDocument/2006/math">
+                      <m:sSub>
+                        <m:sSubPr>
+                          <m:ctrlPr>
+                            <a:rPr lang="el-GR" sz="1000" i="1" dirty="0" smtClean="0">
+                              <a:latin typeface="Cambria Math" panose="02040503050406030204" pitchFamily="18" charset="0"/>
+                              <a:ea typeface="Cambria Math" panose="02040503050406030204" pitchFamily="18" charset="0"/>
+                            </a:rPr>
+                          </m:ctrlPr>
+                        </m:sSubPr>
+                        <m:e>
+                          <m:d>
+                            <m:dPr>
+                              <m:begChr m:val=""/>
+                              <m:endChr m:val="|"/>
+                              <m:ctrlPr>
+                                <a:rPr lang="el-GR" sz="1000" i="1" dirty="0">
+                                  <a:latin typeface="Cambria Math" panose="02040503050406030204" pitchFamily="18" charset="0"/>
+                                  <a:ea typeface="Cambria Math" panose="02040503050406030204" pitchFamily="18" charset="0"/>
+                                </a:rPr>
+                              </m:ctrlPr>
+                            </m:dPr>
+                            <m:e>
+                              <m:sSub>
+                                <m:sSubPr>
+                                  <m:ctrlPr>
+                                    <a:rPr lang="el-GR" sz="1000" i="1" dirty="0">
+                                      <a:latin typeface="Cambria Math" panose="02040503050406030204" pitchFamily="18" charset="0"/>
+                                      <a:ea typeface="Cambria Math" panose="02040503050406030204" pitchFamily="18" charset="0"/>
+                                    </a:rPr>
+                                  </m:ctrlPr>
+                                </m:sSubPr>
+                                <m:e>
+                                  <m:r>
+                                    <m:rPr>
+                                      <m:sty m:val="p"/>
+                                    </m:rPr>
+                                    <a:rPr lang="el-GR" sz="1000" i="1" dirty="0">
+                                      <a:latin typeface="Cambria Math" panose="02040503050406030204" pitchFamily="18" charset="0"/>
+                                      <a:ea typeface="Cambria Math" panose="02040503050406030204" pitchFamily="18" charset="0"/>
+                                    </a:rPr>
+                                    <m:t>Ε</m:t>
+                                  </m:r>
+                                </m:e>
+                                <m:sub>
+                                  <m:r>
+                                    <a:rPr lang="en-US" sz="1000" b="0" i="1" dirty="0" smtClean="0">
+                                      <a:latin typeface="Cambria Math" panose="02040503050406030204" pitchFamily="18" charset="0"/>
+                                      <a:ea typeface="Cambria Math" panose="02040503050406030204" pitchFamily="18" charset="0"/>
+                                    </a:rPr>
+                                    <m:t>2</m:t>
+                                  </m:r>
+                                </m:sub>
+                              </m:sSub>
+                            </m:e>
+                          </m:d>
+                        </m:e>
+                        <m:sub>
+                          <m:sSub>
+                            <m:sSubPr>
+                              <m:ctrlPr>
+                                <a:rPr lang="el-GR" sz="1000" i="1" dirty="0">
+                                  <a:latin typeface="Cambria Math" panose="02040503050406030204" pitchFamily="18" charset="0"/>
+                                  <a:ea typeface="Cambria Math" panose="02040503050406030204" pitchFamily="18" charset="0"/>
+                                </a:rPr>
+                              </m:ctrlPr>
+                            </m:sSubPr>
+                            <m:e>
+                              <m:r>
+                                <a:rPr lang="en-US" sz="1000" b="0" i="1" dirty="0" smtClean="0">
+                                  <a:latin typeface="Cambria Math" panose="02040503050406030204" pitchFamily="18" charset="0"/>
+                                  <a:ea typeface="Cambria Math" panose="02040503050406030204" pitchFamily="18" charset="0"/>
+                                </a:rPr>
+                                <m:t>𝑡</m:t>
+                              </m:r>
+                            </m:e>
+                            <m:sub>
+                              <m:r>
+                                <a:rPr lang="en-US" sz="1000" b="0" i="1" dirty="0" smtClean="0">
+                                  <a:latin typeface="Cambria Math" panose="02040503050406030204" pitchFamily="18" charset="0"/>
+                                  <a:ea typeface="Cambria Math" panose="02040503050406030204" pitchFamily="18" charset="0"/>
+                                </a:rPr>
+                                <m:t>2 </m:t>
+                              </m:r>
+                            </m:sub>
+                          </m:sSub>
+                          <m:r>
+                            <a:rPr lang="en-US" sz="1000" b="0" i="1" dirty="0" smtClean="0">
+                              <a:latin typeface="Cambria Math" panose="02040503050406030204" pitchFamily="18" charset="0"/>
+                              <a:ea typeface="Cambria Math" panose="02040503050406030204" pitchFamily="18" charset="0"/>
+                            </a:rPr>
+                            <m:t>,</m:t>
+                          </m:r>
+                          <m:sSub>
+                            <m:sSubPr>
+                              <m:ctrlPr>
+                                <a:rPr lang="en-US" sz="1000" b="0" i="1" dirty="0" smtClean="0">
+                                  <a:latin typeface="Cambria Math" panose="02040503050406030204" pitchFamily="18" charset="0"/>
+                                  <a:ea typeface="Cambria Math" panose="02040503050406030204" pitchFamily="18" charset="0"/>
+                                </a:rPr>
+                              </m:ctrlPr>
+                            </m:sSubPr>
+                            <m:e>
+                              <m:r>
+                                <a:rPr lang="en-US" sz="1000" i="1" dirty="0">
+                                  <a:latin typeface="Cambria Math" panose="02040503050406030204" pitchFamily="18" charset="0"/>
+                                  <a:ea typeface="Cambria Math" panose="02040503050406030204" pitchFamily="18" charset="0"/>
+                                </a:rPr>
+                                <m:t>𝜏</m:t>
+                              </m:r>
+                            </m:e>
+                            <m:sub>
+                              <m:r>
+                                <a:rPr lang="en-US" sz="1000" b="0" i="1" dirty="0" smtClean="0">
+                                  <a:latin typeface="Cambria Math" panose="02040503050406030204" pitchFamily="18" charset="0"/>
+                                  <a:ea typeface="Cambria Math" panose="02040503050406030204" pitchFamily="18" charset="0"/>
+                                </a:rPr>
+                                <m:t>2,1</m:t>
+                              </m:r>
+                            </m:sub>
+                          </m:sSub>
+                        </m:sub>
+                      </m:sSub>
+                    </m:oMath>
+                  </m:oMathPara>
+                </a14:m>
+                <a:endParaRPr lang="en-US" sz="1000" dirty="0"/>
+              </a:p>
+            </p:txBody>
+          </p:sp>
+        </mc:Choice>
+        <mc:Fallback>
+          <p:sp>
+            <p:nvSpPr>
+              <p:cNvPr id="56" name="TextBox 55">
+                <a:extLst>
+                  <a:ext uri="{FF2B5EF4-FFF2-40B4-BE49-F238E27FC236}">
+                    <a16:creationId xmlns:a16="http://schemas.microsoft.com/office/drawing/2014/main" id="{234BAF00-D5C2-0B05-A407-A7B38F998DDE}"/>
+                  </a:ext>
+                </a:extLst>
+              </p:cNvPr>
+              <p:cNvSpPr txBox="1">
+                <a:spLocks noRot="1" noChangeAspect="1" noMove="1" noResize="1" noEditPoints="1" noAdjustHandles="1" noChangeArrowheads="1" noChangeShapeType="1" noTextEdit="1"/>
+              </p:cNvSpPr>
+              <p:nvPr/>
+            </p:nvSpPr>
+            <p:spPr>
+              <a:xfrm>
+                <a:off x="2701036" y="2245880"/>
+                <a:ext cx="577754" cy="371064"/>
+              </a:xfrm>
+              <a:prstGeom prst="rect">
+                <a:avLst/>
+              </a:prstGeom>
+              <a:blipFill>
+                <a:blip r:embed="rId28"/>
+                <a:stretch>
+                  <a:fillRect l="-29787" t="-113333" r="-8511" b="-163333"/>
+                </a:stretch>
+              </a:blipFill>
+            </p:spPr>
+            <p:txBody>
+              <a:bodyPr/>
+              <a:lstStyle/>
+              <a:p>
+                <a:r>
+                  <a:rPr lang="en-US">
+                    <a:noFill/>
+                  </a:rPr>
+                  <a:t> </a:t>
+                </a:r>
+              </a:p>
+            </p:txBody>
+          </p:sp>
+        </mc:Fallback>
+      </mc:AlternateContent>
+      <mc:AlternateContent xmlns:mc="http://schemas.openxmlformats.org/markup-compatibility/2006">
+        <mc:Choice xmlns:a14="http://schemas.microsoft.com/office/drawing/2010/main" Requires="a14">
+          <p:sp>
+            <p:nvSpPr>
+              <p:cNvPr id="57" name="TextBox 56">
+                <a:extLst>
+                  <a:ext uri="{FF2B5EF4-FFF2-40B4-BE49-F238E27FC236}">
+                    <a16:creationId xmlns:a16="http://schemas.microsoft.com/office/drawing/2014/main" id="{1AA3130D-0DD9-0692-241B-61EB1F29ACFA}"/>
+                  </a:ext>
+                </a:extLst>
+              </p:cNvPr>
+              <p:cNvSpPr txBox="1"/>
+              <p:nvPr/>
+            </p:nvSpPr>
+            <p:spPr>
+              <a:xfrm>
+                <a:off x="3950868" y="2279489"/>
+                <a:ext cx="577754" cy="371064"/>
+              </a:xfrm>
+              <a:prstGeom prst="rect">
+                <a:avLst/>
+              </a:prstGeom>
+              <a:noFill/>
+            </p:spPr>
+            <p:txBody>
+              <a:bodyPr wrap="square" rtlCol="0">
+                <a:spAutoFit/>
+              </a:bodyPr>
+              <a:lstStyle/>
+              <a:p>
+                <a:pPr/>
+                <a14:m>
+                  <m:oMathPara xmlns:m="http://schemas.openxmlformats.org/officeDocument/2006/math">
+                    <m:oMathParaPr>
+                      <m:jc m:val="centerGroup"/>
+                    </m:oMathParaPr>
+                    <m:oMath xmlns:m="http://schemas.openxmlformats.org/officeDocument/2006/math">
+                      <m:sSub>
+                        <m:sSubPr>
+                          <m:ctrlPr>
+                            <a:rPr lang="el-GR" sz="1000" i="1" dirty="0" smtClean="0">
+                              <a:latin typeface="Cambria Math" panose="02040503050406030204" pitchFamily="18" charset="0"/>
+                              <a:ea typeface="Cambria Math" panose="02040503050406030204" pitchFamily="18" charset="0"/>
+                            </a:rPr>
+                          </m:ctrlPr>
+                        </m:sSubPr>
+                        <m:e>
+                          <m:d>
+                            <m:dPr>
+                              <m:begChr m:val=""/>
+                              <m:endChr m:val="|"/>
+                              <m:ctrlPr>
+                                <a:rPr lang="el-GR" sz="1000" i="1" dirty="0">
+                                  <a:latin typeface="Cambria Math" panose="02040503050406030204" pitchFamily="18" charset="0"/>
+                                  <a:ea typeface="Cambria Math" panose="02040503050406030204" pitchFamily="18" charset="0"/>
+                                </a:rPr>
+                              </m:ctrlPr>
+                            </m:dPr>
+                            <m:e>
+                              <m:sSub>
+                                <m:sSubPr>
+                                  <m:ctrlPr>
+                                    <a:rPr lang="el-GR" sz="1000" i="1" dirty="0">
+                                      <a:latin typeface="Cambria Math" panose="02040503050406030204" pitchFamily="18" charset="0"/>
+                                      <a:ea typeface="Cambria Math" panose="02040503050406030204" pitchFamily="18" charset="0"/>
+                                    </a:rPr>
+                                  </m:ctrlPr>
+                                </m:sSubPr>
+                                <m:e>
+                                  <m:r>
+                                    <m:rPr>
+                                      <m:sty m:val="p"/>
+                                    </m:rPr>
+                                    <a:rPr lang="el-GR" sz="1000" i="1" dirty="0">
+                                      <a:latin typeface="Cambria Math" panose="02040503050406030204" pitchFamily="18" charset="0"/>
+                                      <a:ea typeface="Cambria Math" panose="02040503050406030204" pitchFamily="18" charset="0"/>
+                                    </a:rPr>
+                                    <m:t>Ε</m:t>
+                                  </m:r>
+                                </m:e>
+                                <m:sub>
+                                  <m:r>
+                                    <a:rPr lang="en-US" sz="1000" b="0" i="1" dirty="0" smtClean="0">
+                                      <a:latin typeface="Cambria Math" panose="02040503050406030204" pitchFamily="18" charset="0"/>
+                                      <a:ea typeface="Cambria Math" panose="02040503050406030204" pitchFamily="18" charset="0"/>
+                                    </a:rPr>
+                                    <m:t>2</m:t>
+                                  </m:r>
+                                </m:sub>
+                              </m:sSub>
+                            </m:e>
+                          </m:d>
+                        </m:e>
+                        <m:sub>
+                          <m:sSub>
+                            <m:sSubPr>
+                              <m:ctrlPr>
+                                <a:rPr lang="el-GR" sz="1000" i="1" dirty="0">
+                                  <a:latin typeface="Cambria Math" panose="02040503050406030204" pitchFamily="18" charset="0"/>
+                                  <a:ea typeface="Cambria Math" panose="02040503050406030204" pitchFamily="18" charset="0"/>
+                                </a:rPr>
+                              </m:ctrlPr>
+                            </m:sSubPr>
+                            <m:e>
+                              <m:r>
+                                <a:rPr lang="en-US" sz="1000" b="0" i="1" dirty="0" smtClean="0">
+                                  <a:latin typeface="Cambria Math" panose="02040503050406030204" pitchFamily="18" charset="0"/>
+                                  <a:ea typeface="Cambria Math" panose="02040503050406030204" pitchFamily="18" charset="0"/>
+                                </a:rPr>
+                                <m:t>𝑡</m:t>
+                              </m:r>
+                            </m:e>
+                            <m:sub>
+                              <m:r>
+                                <a:rPr lang="en-US" sz="1000" b="0" i="1" dirty="0" smtClean="0">
+                                  <a:latin typeface="Cambria Math" panose="02040503050406030204" pitchFamily="18" charset="0"/>
+                                  <a:ea typeface="Cambria Math" panose="02040503050406030204" pitchFamily="18" charset="0"/>
+                                </a:rPr>
+                                <m:t>3 </m:t>
+                              </m:r>
+                            </m:sub>
+                          </m:sSub>
+                          <m:r>
+                            <a:rPr lang="en-US" sz="1000" b="0" i="1" dirty="0" smtClean="0">
+                              <a:latin typeface="Cambria Math" panose="02040503050406030204" pitchFamily="18" charset="0"/>
+                              <a:ea typeface="Cambria Math" panose="02040503050406030204" pitchFamily="18" charset="0"/>
+                            </a:rPr>
+                            <m:t>,</m:t>
+                          </m:r>
+                          <m:sSub>
+                            <m:sSubPr>
+                              <m:ctrlPr>
+                                <a:rPr lang="en-US" sz="1000" b="0" i="1" dirty="0" smtClean="0">
+                                  <a:latin typeface="Cambria Math" panose="02040503050406030204" pitchFamily="18" charset="0"/>
+                                  <a:ea typeface="Cambria Math" panose="02040503050406030204" pitchFamily="18" charset="0"/>
+                                </a:rPr>
+                              </m:ctrlPr>
+                            </m:sSubPr>
+                            <m:e>
+                              <m:r>
+                                <a:rPr lang="en-US" sz="1000" i="1" dirty="0">
+                                  <a:latin typeface="Cambria Math" panose="02040503050406030204" pitchFamily="18" charset="0"/>
+                                  <a:ea typeface="Cambria Math" panose="02040503050406030204" pitchFamily="18" charset="0"/>
+                                </a:rPr>
+                                <m:t>𝜏</m:t>
+                              </m:r>
+                            </m:e>
+                            <m:sub>
+                              <m:r>
+                                <a:rPr lang="en-US" sz="1000" b="0" i="1" dirty="0" smtClean="0">
+                                  <a:latin typeface="Cambria Math" panose="02040503050406030204" pitchFamily="18" charset="0"/>
+                                  <a:ea typeface="Cambria Math" panose="02040503050406030204" pitchFamily="18" charset="0"/>
+                                </a:rPr>
+                                <m:t>2,2</m:t>
+                              </m:r>
+                            </m:sub>
+                          </m:sSub>
+                        </m:sub>
+                      </m:sSub>
+                    </m:oMath>
+                  </m:oMathPara>
+                </a14:m>
+                <a:endParaRPr lang="en-US" sz="1000" dirty="0"/>
+              </a:p>
+            </p:txBody>
+          </p:sp>
+        </mc:Choice>
+        <mc:Fallback>
+          <p:sp>
+            <p:nvSpPr>
+              <p:cNvPr id="57" name="TextBox 56">
+                <a:extLst>
+                  <a:ext uri="{FF2B5EF4-FFF2-40B4-BE49-F238E27FC236}">
+                    <a16:creationId xmlns:a16="http://schemas.microsoft.com/office/drawing/2014/main" id="{1AA3130D-0DD9-0692-241B-61EB1F29ACFA}"/>
+                  </a:ext>
+                </a:extLst>
+              </p:cNvPr>
+              <p:cNvSpPr txBox="1">
+                <a:spLocks noRot="1" noChangeAspect="1" noMove="1" noResize="1" noEditPoints="1" noAdjustHandles="1" noChangeArrowheads="1" noChangeShapeType="1" noTextEdit="1"/>
+              </p:cNvSpPr>
+              <p:nvPr/>
+            </p:nvSpPr>
+            <p:spPr>
+              <a:xfrm>
+                <a:off x="3950868" y="2279489"/>
+                <a:ext cx="577754" cy="371064"/>
+              </a:xfrm>
+              <a:prstGeom prst="rect">
+                <a:avLst/>
+              </a:prstGeom>
+              <a:blipFill>
+                <a:blip r:embed="rId29"/>
+                <a:stretch>
+                  <a:fillRect l="-32609" t="-116667" r="-8696" b="-163333"/>
+                </a:stretch>
+              </a:blipFill>
+            </p:spPr>
+            <p:txBody>
+              <a:bodyPr/>
+              <a:lstStyle/>
+              <a:p>
+                <a:r>
+                  <a:rPr lang="en-US">
+                    <a:noFill/>
+                  </a:rPr>
+                  <a:t> </a:t>
+                </a:r>
+              </a:p>
+            </p:txBody>
+          </p:sp>
+        </mc:Fallback>
+      </mc:AlternateContent>
+      <mc:AlternateContent xmlns:mc="http://schemas.openxmlformats.org/markup-compatibility/2006">
+        <mc:Choice xmlns:a14="http://schemas.microsoft.com/office/drawing/2010/main" Requires="a14">
+          <p:sp>
+            <p:nvSpPr>
+              <p:cNvPr id="70" name="TextBox 69">
+                <a:extLst>
+                  <a:ext uri="{FF2B5EF4-FFF2-40B4-BE49-F238E27FC236}">
+                    <a16:creationId xmlns:a16="http://schemas.microsoft.com/office/drawing/2014/main" id="{9F37B5A0-F55B-52A8-709C-EEBA1847627A}"/>
+                  </a:ext>
+                </a:extLst>
+              </p:cNvPr>
+              <p:cNvSpPr txBox="1"/>
+              <p:nvPr/>
+            </p:nvSpPr>
+            <p:spPr>
+              <a:xfrm>
+                <a:off x="5345178" y="2301477"/>
+                <a:ext cx="577754" cy="371064"/>
+              </a:xfrm>
+              <a:prstGeom prst="rect">
+                <a:avLst/>
+              </a:prstGeom>
+              <a:noFill/>
+            </p:spPr>
+            <p:txBody>
+              <a:bodyPr wrap="square" rtlCol="0">
+                <a:spAutoFit/>
+              </a:bodyPr>
+              <a:lstStyle/>
+              <a:p>
+                <a:pPr/>
+                <a14:m>
+                  <m:oMathPara xmlns:m="http://schemas.openxmlformats.org/officeDocument/2006/math">
+                    <m:oMathParaPr>
+                      <m:jc m:val="centerGroup"/>
+                    </m:oMathParaPr>
+                    <m:oMath xmlns:m="http://schemas.openxmlformats.org/officeDocument/2006/math">
+                      <m:sSub>
+                        <m:sSubPr>
+                          <m:ctrlPr>
+                            <a:rPr lang="el-GR" sz="1000" i="1" dirty="0" smtClean="0">
+                              <a:latin typeface="Cambria Math" panose="02040503050406030204" pitchFamily="18" charset="0"/>
+                              <a:ea typeface="Cambria Math" panose="02040503050406030204" pitchFamily="18" charset="0"/>
+                            </a:rPr>
+                          </m:ctrlPr>
+                        </m:sSubPr>
+                        <m:e>
+                          <m:d>
+                            <m:dPr>
+                              <m:begChr m:val=""/>
+                              <m:endChr m:val="|"/>
+                              <m:ctrlPr>
+                                <a:rPr lang="el-GR" sz="1000" i="1" dirty="0">
+                                  <a:latin typeface="Cambria Math" panose="02040503050406030204" pitchFamily="18" charset="0"/>
+                                  <a:ea typeface="Cambria Math" panose="02040503050406030204" pitchFamily="18" charset="0"/>
+                                </a:rPr>
+                              </m:ctrlPr>
+                            </m:dPr>
+                            <m:e>
+                              <m:sSub>
+                                <m:sSubPr>
+                                  <m:ctrlPr>
+                                    <a:rPr lang="el-GR" sz="1000" i="1" dirty="0">
+                                      <a:latin typeface="Cambria Math" panose="02040503050406030204" pitchFamily="18" charset="0"/>
+                                      <a:ea typeface="Cambria Math" panose="02040503050406030204" pitchFamily="18" charset="0"/>
+                                    </a:rPr>
+                                  </m:ctrlPr>
+                                </m:sSubPr>
+                                <m:e>
+                                  <m:r>
+                                    <m:rPr>
+                                      <m:sty m:val="p"/>
+                                    </m:rPr>
+                                    <a:rPr lang="el-GR" sz="1000" i="1" dirty="0">
+                                      <a:latin typeface="Cambria Math" panose="02040503050406030204" pitchFamily="18" charset="0"/>
+                                      <a:ea typeface="Cambria Math" panose="02040503050406030204" pitchFamily="18" charset="0"/>
+                                    </a:rPr>
+                                    <m:t>Ε</m:t>
+                                  </m:r>
+                                </m:e>
+                                <m:sub>
+                                  <m:r>
+                                    <a:rPr lang="en-US" sz="1000" b="0" i="1" dirty="0" smtClean="0">
+                                      <a:latin typeface="Cambria Math" panose="02040503050406030204" pitchFamily="18" charset="0"/>
+                                      <a:ea typeface="Cambria Math" panose="02040503050406030204" pitchFamily="18" charset="0"/>
+                                    </a:rPr>
+                                    <m:t>2</m:t>
+                                  </m:r>
+                                </m:sub>
+                              </m:sSub>
+                            </m:e>
+                          </m:d>
+                        </m:e>
+                        <m:sub>
+                          <m:sSub>
+                            <m:sSubPr>
+                              <m:ctrlPr>
+                                <a:rPr lang="el-GR" sz="1000" i="1" dirty="0">
+                                  <a:latin typeface="Cambria Math" panose="02040503050406030204" pitchFamily="18" charset="0"/>
+                                  <a:ea typeface="Cambria Math" panose="02040503050406030204" pitchFamily="18" charset="0"/>
+                                </a:rPr>
+                              </m:ctrlPr>
+                            </m:sSubPr>
+                            <m:e>
+                              <m:r>
+                                <a:rPr lang="en-US" sz="1000" b="0" i="1" dirty="0" smtClean="0">
+                                  <a:latin typeface="Cambria Math" panose="02040503050406030204" pitchFamily="18" charset="0"/>
+                                  <a:ea typeface="Cambria Math" panose="02040503050406030204" pitchFamily="18" charset="0"/>
+                                </a:rPr>
+                                <m:t>𝑡</m:t>
+                              </m:r>
+                            </m:e>
+                            <m:sub>
+                              <m:r>
+                                <a:rPr lang="en-US" sz="1000" b="0" i="1" dirty="0" smtClean="0">
+                                  <a:latin typeface="Cambria Math" panose="02040503050406030204" pitchFamily="18" charset="0"/>
+                                  <a:ea typeface="Cambria Math" panose="02040503050406030204" pitchFamily="18" charset="0"/>
+                                </a:rPr>
+                                <m:t>4 </m:t>
+                              </m:r>
+                            </m:sub>
+                          </m:sSub>
+                          <m:r>
+                            <a:rPr lang="en-US" sz="1000" b="0" i="1" dirty="0" smtClean="0">
+                              <a:latin typeface="Cambria Math" panose="02040503050406030204" pitchFamily="18" charset="0"/>
+                              <a:ea typeface="Cambria Math" panose="02040503050406030204" pitchFamily="18" charset="0"/>
+                            </a:rPr>
+                            <m:t>,</m:t>
+                          </m:r>
+                          <m:sSub>
+                            <m:sSubPr>
+                              <m:ctrlPr>
+                                <a:rPr lang="en-US" sz="1000" b="0" i="1" dirty="0" smtClean="0">
+                                  <a:latin typeface="Cambria Math" panose="02040503050406030204" pitchFamily="18" charset="0"/>
+                                  <a:ea typeface="Cambria Math" panose="02040503050406030204" pitchFamily="18" charset="0"/>
+                                </a:rPr>
+                              </m:ctrlPr>
+                            </m:sSubPr>
+                            <m:e>
+                              <m:r>
+                                <a:rPr lang="en-US" sz="1000" i="1" dirty="0">
+                                  <a:latin typeface="Cambria Math" panose="02040503050406030204" pitchFamily="18" charset="0"/>
+                                  <a:ea typeface="Cambria Math" panose="02040503050406030204" pitchFamily="18" charset="0"/>
+                                </a:rPr>
+                                <m:t>𝜏</m:t>
+                              </m:r>
+                            </m:e>
+                            <m:sub>
+                              <m:r>
+                                <a:rPr lang="en-US" sz="1000" b="0" i="1" dirty="0" smtClean="0">
+                                  <a:latin typeface="Cambria Math" panose="02040503050406030204" pitchFamily="18" charset="0"/>
+                                  <a:ea typeface="Cambria Math" panose="02040503050406030204" pitchFamily="18" charset="0"/>
+                                </a:rPr>
+                                <m:t>2,3</m:t>
+                              </m:r>
+                            </m:sub>
+                          </m:sSub>
+                        </m:sub>
+                      </m:sSub>
+                    </m:oMath>
+                  </m:oMathPara>
+                </a14:m>
+                <a:endParaRPr lang="en-US" sz="1000" dirty="0"/>
+              </a:p>
+            </p:txBody>
+          </p:sp>
+        </mc:Choice>
+        <mc:Fallback>
+          <p:sp>
+            <p:nvSpPr>
+              <p:cNvPr id="70" name="TextBox 69">
+                <a:extLst>
+                  <a:ext uri="{FF2B5EF4-FFF2-40B4-BE49-F238E27FC236}">
+                    <a16:creationId xmlns:a16="http://schemas.microsoft.com/office/drawing/2014/main" id="{9F37B5A0-F55B-52A8-709C-EEBA1847627A}"/>
+                  </a:ext>
+                </a:extLst>
+              </p:cNvPr>
+              <p:cNvSpPr txBox="1">
+                <a:spLocks noRot="1" noChangeAspect="1" noMove="1" noResize="1" noEditPoints="1" noAdjustHandles="1" noChangeArrowheads="1" noChangeShapeType="1" noTextEdit="1"/>
+              </p:cNvSpPr>
+              <p:nvPr/>
+            </p:nvSpPr>
+            <p:spPr>
+              <a:xfrm>
+                <a:off x="5345178" y="2301477"/>
+                <a:ext cx="577754" cy="371064"/>
+              </a:xfrm>
+              <a:prstGeom prst="rect">
+                <a:avLst/>
+              </a:prstGeom>
+              <a:blipFill>
+                <a:blip r:embed="rId30"/>
+                <a:stretch>
+                  <a:fillRect l="-29787" t="-116667" r="-8511" b="-163333"/>
+                </a:stretch>
+              </a:blipFill>
+            </p:spPr>
+            <p:txBody>
+              <a:bodyPr/>
+              <a:lstStyle/>
+              <a:p>
+                <a:r>
+                  <a:rPr lang="en-US">
+                    <a:noFill/>
+                  </a:rPr>
+                  <a:t> </a:t>
+                </a:r>
+              </a:p>
+            </p:txBody>
+          </p:sp>
+        </mc:Fallback>
+      </mc:AlternateContent>
     </p:spTree>
     <p:extLst>
       <p:ext uri="{BB962C8B-B14F-4D97-AF65-F5344CB8AC3E}">
